--- a/ppt 16-9/1134.十个童女.pptx
+++ b/ppt 16-9/1134.十个童女.pptx
@@ -5,7 +5,7 @@
     <p:sldMasterId id="2147483648" r:id="rId1"/>
   </p:sldMasterIdLst>
   <p:sldIdLst>
-    <p:sldId id="619" r:id="rId2"/>
+    <p:sldId id="620" r:id="rId2"/>
   </p:sldIdLst>
   <p:sldSz cx="12192000" cy="6858000"/>
   <p:notesSz cx="6858000" cy="9144000"/>
@@ -129,7 +129,7 @@
           <p:cNvPr id="2" name="标题 1">
             <a:extLst>
               <a:ext uri="{FF2B5EF4-FFF2-40B4-BE49-F238E27FC236}">
-                <a16:creationId xmlns:a16="http://schemas.microsoft.com/office/drawing/2014/main" id="{281F3604-91DD-C45D-A72C-5C801991D3B2}"/>
+                <a16:creationId xmlns:a16="http://schemas.microsoft.com/office/drawing/2014/main" id="{662E430D-ED70-1A7A-900C-012E4D05C080}"/>
               </a:ext>
             </a:extLst>
           </p:cNvPr>
@@ -166,7 +166,7 @@
           <p:cNvPr id="3" name="副标题 2">
             <a:extLst>
               <a:ext uri="{FF2B5EF4-FFF2-40B4-BE49-F238E27FC236}">
-                <a16:creationId xmlns:a16="http://schemas.microsoft.com/office/drawing/2014/main" id="{49BAF47A-435B-57AB-C076-726CEE8A0087}"/>
+                <a16:creationId xmlns:a16="http://schemas.microsoft.com/office/drawing/2014/main" id="{A1319B29-51A1-AAFC-3165-33D0AFBECCF0}"/>
               </a:ext>
             </a:extLst>
           </p:cNvPr>
@@ -236,7 +236,7 @@
           <p:cNvPr id="4" name="日期占位符 3">
             <a:extLst>
               <a:ext uri="{FF2B5EF4-FFF2-40B4-BE49-F238E27FC236}">
-                <a16:creationId xmlns:a16="http://schemas.microsoft.com/office/drawing/2014/main" id="{9E4C9DBE-0F9A-33DA-20C7-F67E991E6A07}"/>
+                <a16:creationId xmlns:a16="http://schemas.microsoft.com/office/drawing/2014/main" id="{229ABD11-23AA-CB54-9C2A-380C3EE89402}"/>
               </a:ext>
             </a:extLst>
           </p:cNvPr>
@@ -252,7 +252,7 @@
           <a:bodyPr/>
           <a:lstStyle/>
           <a:p>
-            <a:fld id="{EB9CB5EE-6B49-4C4A-88A7-BF9786F2D5C9}" type="datetimeFigureOut">
+            <a:fld id="{30054F85-2E8A-4EAB-A6BE-72DBF602C6F1}" type="datetimeFigureOut">
               <a:rPr lang="zh-CN" altLang="en-US" smtClean="0"/>
               <a:t>2024/3/10</a:t>
             </a:fld>
@@ -265,7 +265,7 @@
           <p:cNvPr id="5" name="页脚占位符 4">
             <a:extLst>
               <a:ext uri="{FF2B5EF4-FFF2-40B4-BE49-F238E27FC236}">
-                <a16:creationId xmlns:a16="http://schemas.microsoft.com/office/drawing/2014/main" id="{9F992478-DBF3-69F7-3432-0EE8AE19F935}"/>
+                <a16:creationId xmlns:a16="http://schemas.microsoft.com/office/drawing/2014/main" id="{E5467A3A-CFE0-5892-49AB-F7ACBEC9A270}"/>
               </a:ext>
             </a:extLst>
           </p:cNvPr>
@@ -290,7 +290,7 @@
           <p:cNvPr id="6" name="灯片编号占位符 5">
             <a:extLst>
               <a:ext uri="{FF2B5EF4-FFF2-40B4-BE49-F238E27FC236}">
-                <a16:creationId xmlns:a16="http://schemas.microsoft.com/office/drawing/2014/main" id="{80E0E471-E316-2D76-B590-B39DEE5081D8}"/>
+                <a16:creationId xmlns:a16="http://schemas.microsoft.com/office/drawing/2014/main" id="{68EDFC33-3E44-77B9-E6FB-763F1C548D20}"/>
               </a:ext>
             </a:extLst>
           </p:cNvPr>
@@ -306,7 +306,7 @@
           <a:bodyPr/>
           <a:lstStyle/>
           <a:p>
-            <a:fld id="{18FCEA00-21E5-4394-9CCE-0D8381F104EE}" type="slidenum">
+            <a:fld id="{A3F664C1-118C-490B-A45C-C08CC74176A0}" type="slidenum">
               <a:rPr lang="zh-CN" altLang="en-US" smtClean="0"/>
               <a:t>‹#›</a:t>
             </a:fld>
@@ -317,7 +317,7 @@
     </p:spTree>
     <p:extLst>
       <p:ext uri="{BB962C8B-B14F-4D97-AF65-F5344CB8AC3E}">
-        <p14:creationId xmlns:p14="http://schemas.microsoft.com/office/powerpoint/2010/main" val="1080059707"/>
+        <p14:creationId xmlns:p14="http://schemas.microsoft.com/office/powerpoint/2010/main" val="836800098"/>
       </p:ext>
     </p:extLst>
   </p:cSld>
@@ -349,7 +349,7 @@
           <p:cNvPr id="2" name="标题 1">
             <a:extLst>
               <a:ext uri="{FF2B5EF4-FFF2-40B4-BE49-F238E27FC236}">
-                <a16:creationId xmlns:a16="http://schemas.microsoft.com/office/drawing/2014/main" id="{EC1C00E9-F065-8536-7B2E-26CD4FC1023B}"/>
+                <a16:creationId xmlns:a16="http://schemas.microsoft.com/office/drawing/2014/main" id="{70BDB9C1-FF10-94D6-0877-0EB9EA83ED90}"/>
               </a:ext>
             </a:extLst>
           </p:cNvPr>
@@ -377,7 +377,7 @@
           <p:cNvPr id="3" name="竖排文字占位符 2">
             <a:extLst>
               <a:ext uri="{FF2B5EF4-FFF2-40B4-BE49-F238E27FC236}">
-                <a16:creationId xmlns:a16="http://schemas.microsoft.com/office/drawing/2014/main" id="{CBC1F8DA-EDFD-63C8-7B3D-0D98049F3732}"/>
+                <a16:creationId xmlns:a16="http://schemas.microsoft.com/office/drawing/2014/main" id="{18B5A74D-B1D3-BDC2-3D69-F2E8236F70D6}"/>
               </a:ext>
             </a:extLst>
           </p:cNvPr>
@@ -434,7 +434,7 @@
           <p:cNvPr id="4" name="日期占位符 3">
             <a:extLst>
               <a:ext uri="{FF2B5EF4-FFF2-40B4-BE49-F238E27FC236}">
-                <a16:creationId xmlns:a16="http://schemas.microsoft.com/office/drawing/2014/main" id="{AD50D676-0117-ECC5-8A0F-D7EDF569804B}"/>
+                <a16:creationId xmlns:a16="http://schemas.microsoft.com/office/drawing/2014/main" id="{DCBCE72A-48DA-FD97-5EEB-9957D9DD3C91}"/>
               </a:ext>
             </a:extLst>
           </p:cNvPr>
@@ -450,7 +450,7 @@
           <a:bodyPr/>
           <a:lstStyle/>
           <a:p>
-            <a:fld id="{EB9CB5EE-6B49-4C4A-88A7-BF9786F2D5C9}" type="datetimeFigureOut">
+            <a:fld id="{30054F85-2E8A-4EAB-A6BE-72DBF602C6F1}" type="datetimeFigureOut">
               <a:rPr lang="zh-CN" altLang="en-US" smtClean="0"/>
               <a:t>2024/3/10</a:t>
             </a:fld>
@@ -463,7 +463,7 @@
           <p:cNvPr id="5" name="页脚占位符 4">
             <a:extLst>
               <a:ext uri="{FF2B5EF4-FFF2-40B4-BE49-F238E27FC236}">
-                <a16:creationId xmlns:a16="http://schemas.microsoft.com/office/drawing/2014/main" id="{2EF2042F-8A34-A32B-E37A-F01E1D813222}"/>
+                <a16:creationId xmlns:a16="http://schemas.microsoft.com/office/drawing/2014/main" id="{EEE3CD8C-FE90-795D-69BB-2C98A551D4FC}"/>
               </a:ext>
             </a:extLst>
           </p:cNvPr>
@@ -488,7 +488,7 @@
           <p:cNvPr id="6" name="灯片编号占位符 5">
             <a:extLst>
               <a:ext uri="{FF2B5EF4-FFF2-40B4-BE49-F238E27FC236}">
-                <a16:creationId xmlns:a16="http://schemas.microsoft.com/office/drawing/2014/main" id="{5FD57630-7A90-7925-FF96-9764A484C936}"/>
+                <a16:creationId xmlns:a16="http://schemas.microsoft.com/office/drawing/2014/main" id="{823250FA-736B-AD07-4A06-26DEC3E5D5A6}"/>
               </a:ext>
             </a:extLst>
           </p:cNvPr>
@@ -504,7 +504,7 @@
           <a:bodyPr/>
           <a:lstStyle/>
           <a:p>
-            <a:fld id="{18FCEA00-21E5-4394-9CCE-0D8381F104EE}" type="slidenum">
+            <a:fld id="{A3F664C1-118C-490B-A45C-C08CC74176A0}" type="slidenum">
               <a:rPr lang="zh-CN" altLang="en-US" smtClean="0"/>
               <a:t>‹#›</a:t>
             </a:fld>
@@ -515,7 +515,7 @@
     </p:spTree>
     <p:extLst>
       <p:ext uri="{BB962C8B-B14F-4D97-AF65-F5344CB8AC3E}">
-        <p14:creationId xmlns:p14="http://schemas.microsoft.com/office/powerpoint/2010/main" val="4102243347"/>
+        <p14:creationId xmlns:p14="http://schemas.microsoft.com/office/powerpoint/2010/main" val="2503606201"/>
       </p:ext>
     </p:extLst>
   </p:cSld>
@@ -547,7 +547,7 @@
           <p:cNvPr id="2" name="竖排标题 1">
             <a:extLst>
               <a:ext uri="{FF2B5EF4-FFF2-40B4-BE49-F238E27FC236}">
-                <a16:creationId xmlns:a16="http://schemas.microsoft.com/office/drawing/2014/main" id="{669BB03C-4C01-2FD5-3EB7-7C7751248D6E}"/>
+                <a16:creationId xmlns:a16="http://schemas.microsoft.com/office/drawing/2014/main" id="{8D4FD4B0-A5A5-FD21-9AE6-2EB0E75D909A}"/>
               </a:ext>
             </a:extLst>
           </p:cNvPr>
@@ -580,7 +580,7 @@
           <p:cNvPr id="3" name="竖排文字占位符 2">
             <a:extLst>
               <a:ext uri="{FF2B5EF4-FFF2-40B4-BE49-F238E27FC236}">
-                <a16:creationId xmlns:a16="http://schemas.microsoft.com/office/drawing/2014/main" id="{3F7738AB-2A12-F85B-3CC6-36CD832C5061}"/>
+                <a16:creationId xmlns:a16="http://schemas.microsoft.com/office/drawing/2014/main" id="{B906386B-CAA2-E7BA-6EF8-AA33D6EDDD65}"/>
               </a:ext>
             </a:extLst>
           </p:cNvPr>
@@ -642,7 +642,7 @@
           <p:cNvPr id="4" name="日期占位符 3">
             <a:extLst>
               <a:ext uri="{FF2B5EF4-FFF2-40B4-BE49-F238E27FC236}">
-                <a16:creationId xmlns:a16="http://schemas.microsoft.com/office/drawing/2014/main" id="{752E9A82-FC8E-9A05-296E-C6898348D676}"/>
+                <a16:creationId xmlns:a16="http://schemas.microsoft.com/office/drawing/2014/main" id="{FDE1073B-B89C-A4DC-1C4C-57EC91F0857B}"/>
               </a:ext>
             </a:extLst>
           </p:cNvPr>
@@ -658,7 +658,7 @@
           <a:bodyPr/>
           <a:lstStyle/>
           <a:p>
-            <a:fld id="{EB9CB5EE-6B49-4C4A-88A7-BF9786F2D5C9}" type="datetimeFigureOut">
+            <a:fld id="{30054F85-2E8A-4EAB-A6BE-72DBF602C6F1}" type="datetimeFigureOut">
               <a:rPr lang="zh-CN" altLang="en-US" smtClean="0"/>
               <a:t>2024/3/10</a:t>
             </a:fld>
@@ -671,7 +671,7 @@
           <p:cNvPr id="5" name="页脚占位符 4">
             <a:extLst>
               <a:ext uri="{FF2B5EF4-FFF2-40B4-BE49-F238E27FC236}">
-                <a16:creationId xmlns:a16="http://schemas.microsoft.com/office/drawing/2014/main" id="{620CA8FD-307D-2124-F0E0-00B17B3A78DF}"/>
+                <a16:creationId xmlns:a16="http://schemas.microsoft.com/office/drawing/2014/main" id="{919DB320-9C15-A881-84B7-6912815EC6D1}"/>
               </a:ext>
             </a:extLst>
           </p:cNvPr>
@@ -696,7 +696,7 @@
           <p:cNvPr id="6" name="灯片编号占位符 5">
             <a:extLst>
               <a:ext uri="{FF2B5EF4-FFF2-40B4-BE49-F238E27FC236}">
-                <a16:creationId xmlns:a16="http://schemas.microsoft.com/office/drawing/2014/main" id="{059FDE7D-39D6-1E71-582E-D1FE15956FF9}"/>
+                <a16:creationId xmlns:a16="http://schemas.microsoft.com/office/drawing/2014/main" id="{00E1EF05-004B-08C9-92DA-F86B182CB094}"/>
               </a:ext>
             </a:extLst>
           </p:cNvPr>
@@ -712,7 +712,7 @@
           <a:bodyPr/>
           <a:lstStyle/>
           <a:p>
-            <a:fld id="{18FCEA00-21E5-4394-9CCE-0D8381F104EE}" type="slidenum">
+            <a:fld id="{A3F664C1-118C-490B-A45C-C08CC74176A0}" type="slidenum">
               <a:rPr lang="zh-CN" altLang="en-US" smtClean="0"/>
               <a:t>‹#›</a:t>
             </a:fld>
@@ -723,7 +723,7 @@
     </p:spTree>
     <p:extLst>
       <p:ext uri="{BB962C8B-B14F-4D97-AF65-F5344CB8AC3E}">
-        <p14:creationId xmlns:p14="http://schemas.microsoft.com/office/powerpoint/2010/main" val="2371552885"/>
+        <p14:creationId xmlns:p14="http://schemas.microsoft.com/office/powerpoint/2010/main" val="1762362775"/>
       </p:ext>
     </p:extLst>
   </p:cSld>
@@ -755,7 +755,7 @@
           <p:cNvPr id="2" name="标题 1">
             <a:extLst>
               <a:ext uri="{FF2B5EF4-FFF2-40B4-BE49-F238E27FC236}">
-                <a16:creationId xmlns:a16="http://schemas.microsoft.com/office/drawing/2014/main" id="{820E4CE4-60C7-49E5-C757-61301D723C8B}"/>
+                <a16:creationId xmlns:a16="http://schemas.microsoft.com/office/drawing/2014/main" id="{985CC6E6-BEB7-A4DD-2FFD-35CEDD67CA97}"/>
               </a:ext>
             </a:extLst>
           </p:cNvPr>
@@ -783,7 +783,7 @@
           <p:cNvPr id="3" name="内容占位符 2">
             <a:extLst>
               <a:ext uri="{FF2B5EF4-FFF2-40B4-BE49-F238E27FC236}">
-                <a16:creationId xmlns:a16="http://schemas.microsoft.com/office/drawing/2014/main" id="{5677FC24-97AD-D15F-7DC0-4F919885B59F}"/>
+                <a16:creationId xmlns:a16="http://schemas.microsoft.com/office/drawing/2014/main" id="{F498DFF6-CBA5-141C-2EC4-D379AA7AFE26}"/>
               </a:ext>
             </a:extLst>
           </p:cNvPr>
@@ -840,7 +840,7 @@
           <p:cNvPr id="4" name="日期占位符 3">
             <a:extLst>
               <a:ext uri="{FF2B5EF4-FFF2-40B4-BE49-F238E27FC236}">
-                <a16:creationId xmlns:a16="http://schemas.microsoft.com/office/drawing/2014/main" id="{F10D6311-01CB-B277-7404-8AF687D8701C}"/>
+                <a16:creationId xmlns:a16="http://schemas.microsoft.com/office/drawing/2014/main" id="{1E3733AF-A3C5-8663-2AAB-36027C7B7E15}"/>
               </a:ext>
             </a:extLst>
           </p:cNvPr>
@@ -856,7 +856,7 @@
           <a:bodyPr/>
           <a:lstStyle/>
           <a:p>
-            <a:fld id="{EB9CB5EE-6B49-4C4A-88A7-BF9786F2D5C9}" type="datetimeFigureOut">
+            <a:fld id="{30054F85-2E8A-4EAB-A6BE-72DBF602C6F1}" type="datetimeFigureOut">
               <a:rPr lang="zh-CN" altLang="en-US" smtClean="0"/>
               <a:t>2024/3/10</a:t>
             </a:fld>
@@ -869,7 +869,7 @@
           <p:cNvPr id="5" name="页脚占位符 4">
             <a:extLst>
               <a:ext uri="{FF2B5EF4-FFF2-40B4-BE49-F238E27FC236}">
-                <a16:creationId xmlns:a16="http://schemas.microsoft.com/office/drawing/2014/main" id="{BCF6667D-6E1B-BAF6-0A91-0F26C44F4AD1}"/>
+                <a16:creationId xmlns:a16="http://schemas.microsoft.com/office/drawing/2014/main" id="{D66CE8FD-D4D6-AB41-4896-152217EBDB16}"/>
               </a:ext>
             </a:extLst>
           </p:cNvPr>
@@ -894,7 +894,7 @@
           <p:cNvPr id="6" name="灯片编号占位符 5">
             <a:extLst>
               <a:ext uri="{FF2B5EF4-FFF2-40B4-BE49-F238E27FC236}">
-                <a16:creationId xmlns:a16="http://schemas.microsoft.com/office/drawing/2014/main" id="{0E3210D6-F1E3-48D3-101C-FCF309E25C99}"/>
+                <a16:creationId xmlns:a16="http://schemas.microsoft.com/office/drawing/2014/main" id="{227B13CF-CFA2-1B76-9797-812CF02CF15B}"/>
               </a:ext>
             </a:extLst>
           </p:cNvPr>
@@ -910,7 +910,7 @@
           <a:bodyPr/>
           <a:lstStyle/>
           <a:p>
-            <a:fld id="{18FCEA00-21E5-4394-9CCE-0D8381F104EE}" type="slidenum">
+            <a:fld id="{A3F664C1-118C-490B-A45C-C08CC74176A0}" type="slidenum">
               <a:rPr lang="zh-CN" altLang="en-US" smtClean="0"/>
               <a:t>‹#›</a:t>
             </a:fld>
@@ -921,7 +921,7 @@
     </p:spTree>
     <p:extLst>
       <p:ext uri="{BB962C8B-B14F-4D97-AF65-F5344CB8AC3E}">
-        <p14:creationId xmlns:p14="http://schemas.microsoft.com/office/powerpoint/2010/main" val="4173617502"/>
+        <p14:creationId xmlns:p14="http://schemas.microsoft.com/office/powerpoint/2010/main" val="2245436645"/>
       </p:ext>
     </p:extLst>
   </p:cSld>
@@ -953,7 +953,7 @@
           <p:cNvPr id="2" name="标题 1">
             <a:extLst>
               <a:ext uri="{FF2B5EF4-FFF2-40B4-BE49-F238E27FC236}">
-                <a16:creationId xmlns:a16="http://schemas.microsoft.com/office/drawing/2014/main" id="{80653D92-E044-4E72-898E-13CC58AF0819}"/>
+                <a16:creationId xmlns:a16="http://schemas.microsoft.com/office/drawing/2014/main" id="{3C54FB7D-C4AD-9C09-7CF6-6B65527A58D0}"/>
               </a:ext>
             </a:extLst>
           </p:cNvPr>
@@ -990,7 +990,7 @@
           <p:cNvPr id="3" name="文本占位符 2">
             <a:extLst>
               <a:ext uri="{FF2B5EF4-FFF2-40B4-BE49-F238E27FC236}">
-                <a16:creationId xmlns:a16="http://schemas.microsoft.com/office/drawing/2014/main" id="{F00A4EC8-FDD7-E747-1CAE-E77EF06B691C}"/>
+                <a16:creationId xmlns:a16="http://schemas.microsoft.com/office/drawing/2014/main" id="{F185E82F-6489-86B2-6530-62F1C4043971}"/>
               </a:ext>
             </a:extLst>
           </p:cNvPr>
@@ -1115,7 +1115,7 @@
           <p:cNvPr id="4" name="日期占位符 3">
             <a:extLst>
               <a:ext uri="{FF2B5EF4-FFF2-40B4-BE49-F238E27FC236}">
-                <a16:creationId xmlns:a16="http://schemas.microsoft.com/office/drawing/2014/main" id="{529B50B3-6DA7-3CBA-3A37-A0FCDDB42FF0}"/>
+                <a16:creationId xmlns:a16="http://schemas.microsoft.com/office/drawing/2014/main" id="{0E2E4BA4-ACD2-2C71-F2A6-38BEE772F1A2}"/>
               </a:ext>
             </a:extLst>
           </p:cNvPr>
@@ -1131,7 +1131,7 @@
           <a:bodyPr/>
           <a:lstStyle/>
           <a:p>
-            <a:fld id="{EB9CB5EE-6B49-4C4A-88A7-BF9786F2D5C9}" type="datetimeFigureOut">
+            <a:fld id="{30054F85-2E8A-4EAB-A6BE-72DBF602C6F1}" type="datetimeFigureOut">
               <a:rPr lang="zh-CN" altLang="en-US" smtClean="0"/>
               <a:t>2024/3/10</a:t>
             </a:fld>
@@ -1144,7 +1144,7 @@
           <p:cNvPr id="5" name="页脚占位符 4">
             <a:extLst>
               <a:ext uri="{FF2B5EF4-FFF2-40B4-BE49-F238E27FC236}">
-                <a16:creationId xmlns:a16="http://schemas.microsoft.com/office/drawing/2014/main" id="{CDE0B78C-D3E5-8F46-586F-E9163158C338}"/>
+                <a16:creationId xmlns:a16="http://schemas.microsoft.com/office/drawing/2014/main" id="{31EE9E2C-363D-8816-BBD1-F13FDFD8C774}"/>
               </a:ext>
             </a:extLst>
           </p:cNvPr>
@@ -1169,7 +1169,7 @@
           <p:cNvPr id="6" name="灯片编号占位符 5">
             <a:extLst>
               <a:ext uri="{FF2B5EF4-FFF2-40B4-BE49-F238E27FC236}">
-                <a16:creationId xmlns:a16="http://schemas.microsoft.com/office/drawing/2014/main" id="{58D55794-EACA-9554-D814-7721359DD128}"/>
+                <a16:creationId xmlns:a16="http://schemas.microsoft.com/office/drawing/2014/main" id="{948FAF2E-F37A-2344-694B-791854AA09B0}"/>
               </a:ext>
             </a:extLst>
           </p:cNvPr>
@@ -1185,7 +1185,7 @@
           <a:bodyPr/>
           <a:lstStyle/>
           <a:p>
-            <a:fld id="{18FCEA00-21E5-4394-9CCE-0D8381F104EE}" type="slidenum">
+            <a:fld id="{A3F664C1-118C-490B-A45C-C08CC74176A0}" type="slidenum">
               <a:rPr lang="zh-CN" altLang="en-US" smtClean="0"/>
               <a:t>‹#›</a:t>
             </a:fld>
@@ -1196,7 +1196,7 @@
     </p:spTree>
     <p:extLst>
       <p:ext uri="{BB962C8B-B14F-4D97-AF65-F5344CB8AC3E}">
-        <p14:creationId xmlns:p14="http://schemas.microsoft.com/office/powerpoint/2010/main" val="4146456968"/>
+        <p14:creationId xmlns:p14="http://schemas.microsoft.com/office/powerpoint/2010/main" val="1483287156"/>
       </p:ext>
     </p:extLst>
   </p:cSld>
@@ -1228,7 +1228,7 @@
           <p:cNvPr id="2" name="标题 1">
             <a:extLst>
               <a:ext uri="{FF2B5EF4-FFF2-40B4-BE49-F238E27FC236}">
-                <a16:creationId xmlns:a16="http://schemas.microsoft.com/office/drawing/2014/main" id="{9B0C4E8B-A37B-CA67-2A89-635565FE92EB}"/>
+                <a16:creationId xmlns:a16="http://schemas.microsoft.com/office/drawing/2014/main" id="{531CDD60-F75A-B7B3-A9B2-B82BD37BA527}"/>
               </a:ext>
             </a:extLst>
           </p:cNvPr>
@@ -1256,7 +1256,7 @@
           <p:cNvPr id="3" name="内容占位符 2">
             <a:extLst>
               <a:ext uri="{FF2B5EF4-FFF2-40B4-BE49-F238E27FC236}">
-                <a16:creationId xmlns:a16="http://schemas.microsoft.com/office/drawing/2014/main" id="{3A37DA6B-8755-C935-5EB5-5104181D5BCE}"/>
+                <a16:creationId xmlns:a16="http://schemas.microsoft.com/office/drawing/2014/main" id="{7FA03CCD-08B0-FD62-0E5B-92E91A5656CD}"/>
               </a:ext>
             </a:extLst>
           </p:cNvPr>
@@ -1318,7 +1318,7 @@
           <p:cNvPr id="4" name="内容占位符 3">
             <a:extLst>
               <a:ext uri="{FF2B5EF4-FFF2-40B4-BE49-F238E27FC236}">
-                <a16:creationId xmlns:a16="http://schemas.microsoft.com/office/drawing/2014/main" id="{81EDF8CD-F109-DE5E-806D-534F42BA6ADB}"/>
+                <a16:creationId xmlns:a16="http://schemas.microsoft.com/office/drawing/2014/main" id="{F8AFFD44-185B-4F37-3E6B-EE43AF6DCD76}"/>
               </a:ext>
             </a:extLst>
           </p:cNvPr>
@@ -1380,7 +1380,7 @@
           <p:cNvPr id="5" name="日期占位符 4">
             <a:extLst>
               <a:ext uri="{FF2B5EF4-FFF2-40B4-BE49-F238E27FC236}">
-                <a16:creationId xmlns:a16="http://schemas.microsoft.com/office/drawing/2014/main" id="{A87163E8-AE94-5745-DA51-E3585CBA8BBD}"/>
+                <a16:creationId xmlns:a16="http://schemas.microsoft.com/office/drawing/2014/main" id="{01FB7D37-75B2-7C57-B61B-1510EEAF6CBC}"/>
               </a:ext>
             </a:extLst>
           </p:cNvPr>
@@ -1396,7 +1396,7 @@
           <a:bodyPr/>
           <a:lstStyle/>
           <a:p>
-            <a:fld id="{EB9CB5EE-6B49-4C4A-88A7-BF9786F2D5C9}" type="datetimeFigureOut">
+            <a:fld id="{30054F85-2E8A-4EAB-A6BE-72DBF602C6F1}" type="datetimeFigureOut">
               <a:rPr lang="zh-CN" altLang="en-US" smtClean="0"/>
               <a:t>2024/3/10</a:t>
             </a:fld>
@@ -1409,7 +1409,7 @@
           <p:cNvPr id="6" name="页脚占位符 5">
             <a:extLst>
               <a:ext uri="{FF2B5EF4-FFF2-40B4-BE49-F238E27FC236}">
-                <a16:creationId xmlns:a16="http://schemas.microsoft.com/office/drawing/2014/main" id="{3533BA72-48F4-19F9-B1CA-1181B0A304DB}"/>
+                <a16:creationId xmlns:a16="http://schemas.microsoft.com/office/drawing/2014/main" id="{3FCAF33B-ACA3-A245-5A69-6FC01A7A86E6}"/>
               </a:ext>
             </a:extLst>
           </p:cNvPr>
@@ -1434,7 +1434,7 @@
           <p:cNvPr id="7" name="灯片编号占位符 6">
             <a:extLst>
               <a:ext uri="{FF2B5EF4-FFF2-40B4-BE49-F238E27FC236}">
-                <a16:creationId xmlns:a16="http://schemas.microsoft.com/office/drawing/2014/main" id="{B44D2309-8F96-D958-981D-94FE13BF9774}"/>
+                <a16:creationId xmlns:a16="http://schemas.microsoft.com/office/drawing/2014/main" id="{181246B4-25F5-A1CA-B0FD-9E1D22EC481B}"/>
               </a:ext>
             </a:extLst>
           </p:cNvPr>
@@ -1450,7 +1450,7 @@
           <a:bodyPr/>
           <a:lstStyle/>
           <a:p>
-            <a:fld id="{18FCEA00-21E5-4394-9CCE-0D8381F104EE}" type="slidenum">
+            <a:fld id="{A3F664C1-118C-490B-A45C-C08CC74176A0}" type="slidenum">
               <a:rPr lang="zh-CN" altLang="en-US" smtClean="0"/>
               <a:t>‹#›</a:t>
             </a:fld>
@@ -1461,7 +1461,7 @@
     </p:spTree>
     <p:extLst>
       <p:ext uri="{BB962C8B-B14F-4D97-AF65-F5344CB8AC3E}">
-        <p14:creationId xmlns:p14="http://schemas.microsoft.com/office/powerpoint/2010/main" val="1249046446"/>
+        <p14:creationId xmlns:p14="http://schemas.microsoft.com/office/powerpoint/2010/main" val="1523522676"/>
       </p:ext>
     </p:extLst>
   </p:cSld>
@@ -1493,7 +1493,7 @@
           <p:cNvPr id="2" name="标题 1">
             <a:extLst>
               <a:ext uri="{FF2B5EF4-FFF2-40B4-BE49-F238E27FC236}">
-                <a16:creationId xmlns:a16="http://schemas.microsoft.com/office/drawing/2014/main" id="{2E7A41A6-30A7-0D02-AD06-30AFC65B2ABC}"/>
+                <a16:creationId xmlns:a16="http://schemas.microsoft.com/office/drawing/2014/main" id="{7ABD8F50-313A-E601-F342-14ED158608AC}"/>
               </a:ext>
             </a:extLst>
           </p:cNvPr>
@@ -1526,7 +1526,7 @@
           <p:cNvPr id="3" name="文本占位符 2">
             <a:extLst>
               <a:ext uri="{FF2B5EF4-FFF2-40B4-BE49-F238E27FC236}">
-                <a16:creationId xmlns:a16="http://schemas.microsoft.com/office/drawing/2014/main" id="{E79CAD11-D646-910B-AD93-0D88E8367BCF}"/>
+                <a16:creationId xmlns:a16="http://schemas.microsoft.com/office/drawing/2014/main" id="{67CD31E2-08D7-0364-1DC6-DF373E0C0FBC}"/>
               </a:ext>
             </a:extLst>
           </p:cNvPr>
@@ -1597,7 +1597,7 @@
           <p:cNvPr id="4" name="内容占位符 3">
             <a:extLst>
               <a:ext uri="{FF2B5EF4-FFF2-40B4-BE49-F238E27FC236}">
-                <a16:creationId xmlns:a16="http://schemas.microsoft.com/office/drawing/2014/main" id="{66C0908B-226F-A2EE-1DC6-5C4F57AF93BE}"/>
+                <a16:creationId xmlns:a16="http://schemas.microsoft.com/office/drawing/2014/main" id="{FE6B83C6-E16B-5DA8-6D46-DB32F6CB0852}"/>
               </a:ext>
             </a:extLst>
           </p:cNvPr>
@@ -1659,7 +1659,7 @@
           <p:cNvPr id="5" name="文本占位符 4">
             <a:extLst>
               <a:ext uri="{FF2B5EF4-FFF2-40B4-BE49-F238E27FC236}">
-                <a16:creationId xmlns:a16="http://schemas.microsoft.com/office/drawing/2014/main" id="{E41104F0-4B41-BE9A-D75A-9A59C32BE028}"/>
+                <a16:creationId xmlns:a16="http://schemas.microsoft.com/office/drawing/2014/main" id="{502D8938-A2DE-E1F0-9A82-7FB639BACCA0}"/>
               </a:ext>
             </a:extLst>
           </p:cNvPr>
@@ -1730,7 +1730,7 @@
           <p:cNvPr id="6" name="内容占位符 5">
             <a:extLst>
               <a:ext uri="{FF2B5EF4-FFF2-40B4-BE49-F238E27FC236}">
-                <a16:creationId xmlns:a16="http://schemas.microsoft.com/office/drawing/2014/main" id="{9AAF3D71-40C6-A7FA-3598-E548A5A8A84F}"/>
+                <a16:creationId xmlns:a16="http://schemas.microsoft.com/office/drawing/2014/main" id="{72704CC8-2A34-04CE-FC7A-E705F1713215}"/>
               </a:ext>
             </a:extLst>
           </p:cNvPr>
@@ -1792,7 +1792,7 @@
           <p:cNvPr id="7" name="日期占位符 6">
             <a:extLst>
               <a:ext uri="{FF2B5EF4-FFF2-40B4-BE49-F238E27FC236}">
-                <a16:creationId xmlns:a16="http://schemas.microsoft.com/office/drawing/2014/main" id="{FDF7930F-C8C5-8009-AF76-7E39127D31BA}"/>
+                <a16:creationId xmlns:a16="http://schemas.microsoft.com/office/drawing/2014/main" id="{10C93BAB-7C00-8AA8-E9FB-7097CD5328E6}"/>
               </a:ext>
             </a:extLst>
           </p:cNvPr>
@@ -1808,7 +1808,7 @@
           <a:bodyPr/>
           <a:lstStyle/>
           <a:p>
-            <a:fld id="{EB9CB5EE-6B49-4C4A-88A7-BF9786F2D5C9}" type="datetimeFigureOut">
+            <a:fld id="{30054F85-2E8A-4EAB-A6BE-72DBF602C6F1}" type="datetimeFigureOut">
               <a:rPr lang="zh-CN" altLang="en-US" smtClean="0"/>
               <a:t>2024/3/10</a:t>
             </a:fld>
@@ -1821,7 +1821,7 @@
           <p:cNvPr id="8" name="页脚占位符 7">
             <a:extLst>
               <a:ext uri="{FF2B5EF4-FFF2-40B4-BE49-F238E27FC236}">
-                <a16:creationId xmlns:a16="http://schemas.microsoft.com/office/drawing/2014/main" id="{44C70A30-120C-55B2-4E38-1A1B479E35B5}"/>
+                <a16:creationId xmlns:a16="http://schemas.microsoft.com/office/drawing/2014/main" id="{C3582F2D-ECA3-A893-DFE2-2AFB924E2C33}"/>
               </a:ext>
             </a:extLst>
           </p:cNvPr>
@@ -1846,7 +1846,7 @@
           <p:cNvPr id="9" name="灯片编号占位符 8">
             <a:extLst>
               <a:ext uri="{FF2B5EF4-FFF2-40B4-BE49-F238E27FC236}">
-                <a16:creationId xmlns:a16="http://schemas.microsoft.com/office/drawing/2014/main" id="{5BF641C3-E2D0-C815-D229-CC81B4D40E85}"/>
+                <a16:creationId xmlns:a16="http://schemas.microsoft.com/office/drawing/2014/main" id="{23D4FB6C-572F-995E-BE2B-52FF61C7BE64}"/>
               </a:ext>
             </a:extLst>
           </p:cNvPr>
@@ -1862,7 +1862,7 @@
           <a:bodyPr/>
           <a:lstStyle/>
           <a:p>
-            <a:fld id="{18FCEA00-21E5-4394-9CCE-0D8381F104EE}" type="slidenum">
+            <a:fld id="{A3F664C1-118C-490B-A45C-C08CC74176A0}" type="slidenum">
               <a:rPr lang="zh-CN" altLang="en-US" smtClean="0"/>
               <a:t>‹#›</a:t>
             </a:fld>
@@ -1873,7 +1873,7 @@
     </p:spTree>
     <p:extLst>
       <p:ext uri="{BB962C8B-B14F-4D97-AF65-F5344CB8AC3E}">
-        <p14:creationId xmlns:p14="http://schemas.microsoft.com/office/powerpoint/2010/main" val="973979122"/>
+        <p14:creationId xmlns:p14="http://schemas.microsoft.com/office/powerpoint/2010/main" val="2077072190"/>
       </p:ext>
     </p:extLst>
   </p:cSld>
@@ -1905,7 +1905,7 @@
           <p:cNvPr id="2" name="标题 1">
             <a:extLst>
               <a:ext uri="{FF2B5EF4-FFF2-40B4-BE49-F238E27FC236}">
-                <a16:creationId xmlns:a16="http://schemas.microsoft.com/office/drawing/2014/main" id="{D136E39D-BF29-134D-E295-631B0BA40A07}"/>
+                <a16:creationId xmlns:a16="http://schemas.microsoft.com/office/drawing/2014/main" id="{2896A25D-6B9A-4FC1-D07F-1D0B0C17A491}"/>
               </a:ext>
             </a:extLst>
           </p:cNvPr>
@@ -1933,7 +1933,7 @@
           <p:cNvPr id="3" name="日期占位符 2">
             <a:extLst>
               <a:ext uri="{FF2B5EF4-FFF2-40B4-BE49-F238E27FC236}">
-                <a16:creationId xmlns:a16="http://schemas.microsoft.com/office/drawing/2014/main" id="{27238275-3025-DB94-0AAB-78419505725F}"/>
+                <a16:creationId xmlns:a16="http://schemas.microsoft.com/office/drawing/2014/main" id="{D3E752FF-F7E9-B426-6B88-F625DCA5B530}"/>
               </a:ext>
             </a:extLst>
           </p:cNvPr>
@@ -1949,7 +1949,7 @@
           <a:bodyPr/>
           <a:lstStyle/>
           <a:p>
-            <a:fld id="{EB9CB5EE-6B49-4C4A-88A7-BF9786F2D5C9}" type="datetimeFigureOut">
+            <a:fld id="{30054F85-2E8A-4EAB-A6BE-72DBF602C6F1}" type="datetimeFigureOut">
               <a:rPr lang="zh-CN" altLang="en-US" smtClean="0"/>
               <a:t>2024/3/10</a:t>
             </a:fld>
@@ -1962,7 +1962,7 @@
           <p:cNvPr id="4" name="页脚占位符 3">
             <a:extLst>
               <a:ext uri="{FF2B5EF4-FFF2-40B4-BE49-F238E27FC236}">
-                <a16:creationId xmlns:a16="http://schemas.microsoft.com/office/drawing/2014/main" id="{4D90C8CE-C904-4476-0B5E-23235FCAA7B6}"/>
+                <a16:creationId xmlns:a16="http://schemas.microsoft.com/office/drawing/2014/main" id="{7647C760-998F-09F0-9CB4-A1A5B80B34FE}"/>
               </a:ext>
             </a:extLst>
           </p:cNvPr>
@@ -1987,7 +1987,7 @@
           <p:cNvPr id="5" name="灯片编号占位符 4">
             <a:extLst>
               <a:ext uri="{FF2B5EF4-FFF2-40B4-BE49-F238E27FC236}">
-                <a16:creationId xmlns:a16="http://schemas.microsoft.com/office/drawing/2014/main" id="{BF745B68-5125-9661-BFF6-782F9218A136}"/>
+                <a16:creationId xmlns:a16="http://schemas.microsoft.com/office/drawing/2014/main" id="{073EF511-C03A-9BD2-A8CD-C712270EF6C9}"/>
               </a:ext>
             </a:extLst>
           </p:cNvPr>
@@ -2003,7 +2003,7 @@
           <a:bodyPr/>
           <a:lstStyle/>
           <a:p>
-            <a:fld id="{18FCEA00-21E5-4394-9CCE-0D8381F104EE}" type="slidenum">
+            <a:fld id="{A3F664C1-118C-490B-A45C-C08CC74176A0}" type="slidenum">
               <a:rPr lang="zh-CN" altLang="en-US" smtClean="0"/>
               <a:t>‹#›</a:t>
             </a:fld>
@@ -2014,7 +2014,7 @@
     </p:spTree>
     <p:extLst>
       <p:ext uri="{BB962C8B-B14F-4D97-AF65-F5344CB8AC3E}">
-        <p14:creationId xmlns:p14="http://schemas.microsoft.com/office/powerpoint/2010/main" val="1425706507"/>
+        <p14:creationId xmlns:p14="http://schemas.microsoft.com/office/powerpoint/2010/main" val="2261220429"/>
       </p:ext>
     </p:extLst>
   </p:cSld>
@@ -2046,7 +2046,7 @@
           <p:cNvPr id="2" name="日期占位符 1">
             <a:extLst>
               <a:ext uri="{FF2B5EF4-FFF2-40B4-BE49-F238E27FC236}">
-                <a16:creationId xmlns:a16="http://schemas.microsoft.com/office/drawing/2014/main" id="{E5930E23-687A-2450-9D19-25391ACD98D1}"/>
+                <a16:creationId xmlns:a16="http://schemas.microsoft.com/office/drawing/2014/main" id="{DA462161-CE02-0A73-7F30-C38D72435BC8}"/>
               </a:ext>
             </a:extLst>
           </p:cNvPr>
@@ -2062,7 +2062,7 @@
           <a:bodyPr/>
           <a:lstStyle/>
           <a:p>
-            <a:fld id="{EB9CB5EE-6B49-4C4A-88A7-BF9786F2D5C9}" type="datetimeFigureOut">
+            <a:fld id="{30054F85-2E8A-4EAB-A6BE-72DBF602C6F1}" type="datetimeFigureOut">
               <a:rPr lang="zh-CN" altLang="en-US" smtClean="0"/>
               <a:t>2024/3/10</a:t>
             </a:fld>
@@ -2075,7 +2075,7 @@
           <p:cNvPr id="3" name="页脚占位符 2">
             <a:extLst>
               <a:ext uri="{FF2B5EF4-FFF2-40B4-BE49-F238E27FC236}">
-                <a16:creationId xmlns:a16="http://schemas.microsoft.com/office/drawing/2014/main" id="{921661D6-DF0A-EFE0-F962-EE4FB498F3C5}"/>
+                <a16:creationId xmlns:a16="http://schemas.microsoft.com/office/drawing/2014/main" id="{5CB9AF7E-166F-8A0F-21BB-A83DA4166ECF}"/>
               </a:ext>
             </a:extLst>
           </p:cNvPr>
@@ -2100,7 +2100,7 @@
           <p:cNvPr id="4" name="灯片编号占位符 3">
             <a:extLst>
               <a:ext uri="{FF2B5EF4-FFF2-40B4-BE49-F238E27FC236}">
-                <a16:creationId xmlns:a16="http://schemas.microsoft.com/office/drawing/2014/main" id="{62CBF2D0-2988-668C-E534-5F6458C73880}"/>
+                <a16:creationId xmlns:a16="http://schemas.microsoft.com/office/drawing/2014/main" id="{C7B5335E-9DB8-5C76-8AB1-46F31AE7A3C7}"/>
               </a:ext>
             </a:extLst>
           </p:cNvPr>
@@ -2116,7 +2116,7 @@
           <a:bodyPr/>
           <a:lstStyle/>
           <a:p>
-            <a:fld id="{18FCEA00-21E5-4394-9CCE-0D8381F104EE}" type="slidenum">
+            <a:fld id="{A3F664C1-118C-490B-A45C-C08CC74176A0}" type="slidenum">
               <a:rPr lang="zh-CN" altLang="en-US" smtClean="0"/>
               <a:t>‹#›</a:t>
             </a:fld>
@@ -2127,7 +2127,7 @@
     </p:spTree>
     <p:extLst>
       <p:ext uri="{BB962C8B-B14F-4D97-AF65-F5344CB8AC3E}">
-        <p14:creationId xmlns:p14="http://schemas.microsoft.com/office/powerpoint/2010/main" val="396242189"/>
+        <p14:creationId xmlns:p14="http://schemas.microsoft.com/office/powerpoint/2010/main" val="3321072539"/>
       </p:ext>
     </p:extLst>
   </p:cSld>
@@ -2159,7 +2159,7 @@
           <p:cNvPr id="2" name="标题 1">
             <a:extLst>
               <a:ext uri="{FF2B5EF4-FFF2-40B4-BE49-F238E27FC236}">
-                <a16:creationId xmlns:a16="http://schemas.microsoft.com/office/drawing/2014/main" id="{A82F4B99-EFA4-96FF-ADF8-8331484100CD}"/>
+                <a16:creationId xmlns:a16="http://schemas.microsoft.com/office/drawing/2014/main" id="{06C859E0-CB9D-E44F-C394-C758C9E00142}"/>
               </a:ext>
             </a:extLst>
           </p:cNvPr>
@@ -2196,7 +2196,7 @@
           <p:cNvPr id="3" name="内容占位符 2">
             <a:extLst>
               <a:ext uri="{FF2B5EF4-FFF2-40B4-BE49-F238E27FC236}">
-                <a16:creationId xmlns:a16="http://schemas.microsoft.com/office/drawing/2014/main" id="{FB96C8D9-7CAF-7AAC-2E89-36202FDDE862}"/>
+                <a16:creationId xmlns:a16="http://schemas.microsoft.com/office/drawing/2014/main" id="{9926C245-F486-43B6-055E-3BB89D5E644B}"/>
               </a:ext>
             </a:extLst>
           </p:cNvPr>
@@ -2286,7 +2286,7 @@
           <p:cNvPr id="4" name="文本占位符 3">
             <a:extLst>
               <a:ext uri="{FF2B5EF4-FFF2-40B4-BE49-F238E27FC236}">
-                <a16:creationId xmlns:a16="http://schemas.microsoft.com/office/drawing/2014/main" id="{5F3AA897-8632-BE16-304E-1519B4E60792}"/>
+                <a16:creationId xmlns:a16="http://schemas.microsoft.com/office/drawing/2014/main" id="{50DD8E80-7921-88F6-0326-239214D82706}"/>
               </a:ext>
             </a:extLst>
           </p:cNvPr>
@@ -2357,7 +2357,7 @@
           <p:cNvPr id="5" name="日期占位符 4">
             <a:extLst>
               <a:ext uri="{FF2B5EF4-FFF2-40B4-BE49-F238E27FC236}">
-                <a16:creationId xmlns:a16="http://schemas.microsoft.com/office/drawing/2014/main" id="{57A23673-96D3-4749-3927-CE69E41D804C}"/>
+                <a16:creationId xmlns:a16="http://schemas.microsoft.com/office/drawing/2014/main" id="{9E6E8791-86EE-E23E-A528-75EDA81D6E2C}"/>
               </a:ext>
             </a:extLst>
           </p:cNvPr>
@@ -2373,7 +2373,7 @@
           <a:bodyPr/>
           <a:lstStyle/>
           <a:p>
-            <a:fld id="{EB9CB5EE-6B49-4C4A-88A7-BF9786F2D5C9}" type="datetimeFigureOut">
+            <a:fld id="{30054F85-2E8A-4EAB-A6BE-72DBF602C6F1}" type="datetimeFigureOut">
               <a:rPr lang="zh-CN" altLang="en-US" smtClean="0"/>
               <a:t>2024/3/10</a:t>
             </a:fld>
@@ -2386,7 +2386,7 @@
           <p:cNvPr id="6" name="页脚占位符 5">
             <a:extLst>
               <a:ext uri="{FF2B5EF4-FFF2-40B4-BE49-F238E27FC236}">
-                <a16:creationId xmlns:a16="http://schemas.microsoft.com/office/drawing/2014/main" id="{CC072FA9-E4F2-6620-22CC-90C5608CD851}"/>
+                <a16:creationId xmlns:a16="http://schemas.microsoft.com/office/drawing/2014/main" id="{CD799E88-54EF-A40E-E65D-1D3A86219CD1}"/>
               </a:ext>
             </a:extLst>
           </p:cNvPr>
@@ -2411,7 +2411,7 @@
           <p:cNvPr id="7" name="灯片编号占位符 6">
             <a:extLst>
               <a:ext uri="{FF2B5EF4-FFF2-40B4-BE49-F238E27FC236}">
-                <a16:creationId xmlns:a16="http://schemas.microsoft.com/office/drawing/2014/main" id="{C36A2185-9CCE-5C22-3B45-32CD61258AAB}"/>
+                <a16:creationId xmlns:a16="http://schemas.microsoft.com/office/drawing/2014/main" id="{37C84B0E-CEDE-5317-4100-5C6F6F5A732C}"/>
               </a:ext>
             </a:extLst>
           </p:cNvPr>
@@ -2427,7 +2427,7 @@
           <a:bodyPr/>
           <a:lstStyle/>
           <a:p>
-            <a:fld id="{18FCEA00-21E5-4394-9CCE-0D8381F104EE}" type="slidenum">
+            <a:fld id="{A3F664C1-118C-490B-A45C-C08CC74176A0}" type="slidenum">
               <a:rPr lang="zh-CN" altLang="en-US" smtClean="0"/>
               <a:t>‹#›</a:t>
             </a:fld>
@@ -2438,7 +2438,7 @@
     </p:spTree>
     <p:extLst>
       <p:ext uri="{BB962C8B-B14F-4D97-AF65-F5344CB8AC3E}">
-        <p14:creationId xmlns:p14="http://schemas.microsoft.com/office/powerpoint/2010/main" val="2483859704"/>
+        <p14:creationId xmlns:p14="http://schemas.microsoft.com/office/powerpoint/2010/main" val="499194418"/>
       </p:ext>
     </p:extLst>
   </p:cSld>
@@ -2470,7 +2470,7 @@
           <p:cNvPr id="2" name="标题 1">
             <a:extLst>
               <a:ext uri="{FF2B5EF4-FFF2-40B4-BE49-F238E27FC236}">
-                <a16:creationId xmlns:a16="http://schemas.microsoft.com/office/drawing/2014/main" id="{6C06049E-E838-0419-52E4-8C5ADC0E9C33}"/>
+                <a16:creationId xmlns:a16="http://schemas.microsoft.com/office/drawing/2014/main" id="{AD784B16-A0B2-1783-0609-4146AFEA3AA8}"/>
               </a:ext>
             </a:extLst>
           </p:cNvPr>
@@ -2507,7 +2507,7 @@
           <p:cNvPr id="3" name="图片占位符 2">
             <a:extLst>
               <a:ext uri="{FF2B5EF4-FFF2-40B4-BE49-F238E27FC236}">
-                <a16:creationId xmlns:a16="http://schemas.microsoft.com/office/drawing/2014/main" id="{BFE90D7F-867D-34BC-CEF9-41C5D457157D}"/>
+                <a16:creationId xmlns:a16="http://schemas.microsoft.com/office/drawing/2014/main" id="{B43C87FE-FDB3-76A6-B081-D0233A5900DE}"/>
               </a:ext>
             </a:extLst>
           </p:cNvPr>
@@ -2574,7 +2574,7 @@
           <p:cNvPr id="4" name="文本占位符 3">
             <a:extLst>
               <a:ext uri="{FF2B5EF4-FFF2-40B4-BE49-F238E27FC236}">
-                <a16:creationId xmlns:a16="http://schemas.microsoft.com/office/drawing/2014/main" id="{0C4AC08D-70F2-2BAF-53C3-95ED4695E0E9}"/>
+                <a16:creationId xmlns:a16="http://schemas.microsoft.com/office/drawing/2014/main" id="{7C5306BE-27A8-29A9-1F61-05F2EF423AD9}"/>
               </a:ext>
             </a:extLst>
           </p:cNvPr>
@@ -2645,7 +2645,7 @@
           <p:cNvPr id="5" name="日期占位符 4">
             <a:extLst>
               <a:ext uri="{FF2B5EF4-FFF2-40B4-BE49-F238E27FC236}">
-                <a16:creationId xmlns:a16="http://schemas.microsoft.com/office/drawing/2014/main" id="{087E4480-C722-E10E-010B-166156A98FF4}"/>
+                <a16:creationId xmlns:a16="http://schemas.microsoft.com/office/drawing/2014/main" id="{A05581D4-0AFD-03FD-39A4-DBC7D763CA38}"/>
               </a:ext>
             </a:extLst>
           </p:cNvPr>
@@ -2661,7 +2661,7 @@
           <a:bodyPr/>
           <a:lstStyle/>
           <a:p>
-            <a:fld id="{EB9CB5EE-6B49-4C4A-88A7-BF9786F2D5C9}" type="datetimeFigureOut">
+            <a:fld id="{30054F85-2E8A-4EAB-A6BE-72DBF602C6F1}" type="datetimeFigureOut">
               <a:rPr lang="zh-CN" altLang="en-US" smtClean="0"/>
               <a:t>2024/3/10</a:t>
             </a:fld>
@@ -2674,7 +2674,7 @@
           <p:cNvPr id="6" name="页脚占位符 5">
             <a:extLst>
               <a:ext uri="{FF2B5EF4-FFF2-40B4-BE49-F238E27FC236}">
-                <a16:creationId xmlns:a16="http://schemas.microsoft.com/office/drawing/2014/main" id="{E307A441-47ED-6539-E33D-DC214BA8F569}"/>
+                <a16:creationId xmlns:a16="http://schemas.microsoft.com/office/drawing/2014/main" id="{A675E116-F833-4B5E-EFAF-0B4E9F7C5032}"/>
               </a:ext>
             </a:extLst>
           </p:cNvPr>
@@ -2699,7 +2699,7 @@
           <p:cNvPr id="7" name="灯片编号占位符 6">
             <a:extLst>
               <a:ext uri="{FF2B5EF4-FFF2-40B4-BE49-F238E27FC236}">
-                <a16:creationId xmlns:a16="http://schemas.microsoft.com/office/drawing/2014/main" id="{784A165C-DBE1-863D-7938-AFE7BD45CD7D}"/>
+                <a16:creationId xmlns:a16="http://schemas.microsoft.com/office/drawing/2014/main" id="{707356FB-296C-4545-C09C-B91ADE81FC41}"/>
               </a:ext>
             </a:extLst>
           </p:cNvPr>
@@ -2715,7 +2715,7 @@
           <a:bodyPr/>
           <a:lstStyle/>
           <a:p>
-            <a:fld id="{18FCEA00-21E5-4394-9CCE-0D8381F104EE}" type="slidenum">
+            <a:fld id="{A3F664C1-118C-490B-A45C-C08CC74176A0}" type="slidenum">
               <a:rPr lang="zh-CN" altLang="en-US" smtClean="0"/>
               <a:t>‹#›</a:t>
             </a:fld>
@@ -2726,7 +2726,7 @@
     </p:spTree>
     <p:extLst>
       <p:ext uri="{BB962C8B-B14F-4D97-AF65-F5344CB8AC3E}">
-        <p14:creationId xmlns:p14="http://schemas.microsoft.com/office/powerpoint/2010/main" val="89681774"/>
+        <p14:creationId xmlns:p14="http://schemas.microsoft.com/office/powerpoint/2010/main" val="634737657"/>
       </p:ext>
     </p:extLst>
   </p:cSld>
@@ -2763,7 +2763,7 @@
           <p:cNvPr id="2" name="标题占位符 1">
             <a:extLst>
               <a:ext uri="{FF2B5EF4-FFF2-40B4-BE49-F238E27FC236}">
-                <a16:creationId xmlns:a16="http://schemas.microsoft.com/office/drawing/2014/main" id="{56D443A3-361A-9BF4-86F5-C45EBB3D6B8B}"/>
+                <a16:creationId xmlns:a16="http://schemas.microsoft.com/office/drawing/2014/main" id="{8004F7EE-9899-5738-AC9A-34AD22375FBE}"/>
               </a:ext>
             </a:extLst>
           </p:cNvPr>
@@ -2801,7 +2801,7 @@
           <p:cNvPr id="3" name="文本占位符 2">
             <a:extLst>
               <a:ext uri="{FF2B5EF4-FFF2-40B4-BE49-F238E27FC236}">
-                <a16:creationId xmlns:a16="http://schemas.microsoft.com/office/drawing/2014/main" id="{4F70A6A7-1D4F-BB8B-D4D0-671B54E8A980}"/>
+                <a16:creationId xmlns:a16="http://schemas.microsoft.com/office/drawing/2014/main" id="{79ED1107-70F4-1DE3-A964-ACB536A089D6}"/>
               </a:ext>
             </a:extLst>
           </p:cNvPr>
@@ -2868,7 +2868,7 @@
           <p:cNvPr id="4" name="日期占位符 3">
             <a:extLst>
               <a:ext uri="{FF2B5EF4-FFF2-40B4-BE49-F238E27FC236}">
-                <a16:creationId xmlns:a16="http://schemas.microsoft.com/office/drawing/2014/main" id="{95E179B6-1EA4-CEBC-A11D-9B7863022AC2}"/>
+                <a16:creationId xmlns:a16="http://schemas.microsoft.com/office/drawing/2014/main" id="{8CB18202-03B3-4847-5102-E6A15AF63722}"/>
               </a:ext>
             </a:extLst>
           </p:cNvPr>
@@ -2902,7 +2902,7 @@
             </a:lvl1pPr>
           </a:lstStyle>
           <a:p>
-            <a:fld id="{EB9CB5EE-6B49-4C4A-88A7-BF9786F2D5C9}" type="datetimeFigureOut">
+            <a:fld id="{30054F85-2E8A-4EAB-A6BE-72DBF602C6F1}" type="datetimeFigureOut">
               <a:rPr lang="zh-CN" altLang="en-US" smtClean="0"/>
               <a:t>2024/3/10</a:t>
             </a:fld>
@@ -2915,7 +2915,7 @@
           <p:cNvPr id="5" name="页脚占位符 4">
             <a:extLst>
               <a:ext uri="{FF2B5EF4-FFF2-40B4-BE49-F238E27FC236}">
-                <a16:creationId xmlns:a16="http://schemas.microsoft.com/office/drawing/2014/main" id="{6A3C2811-4125-E08A-9C33-00A6A35EC5E6}"/>
+                <a16:creationId xmlns:a16="http://schemas.microsoft.com/office/drawing/2014/main" id="{705E7E25-388A-FCF9-D2D5-3E809E85C67E}"/>
               </a:ext>
             </a:extLst>
           </p:cNvPr>
@@ -2958,7 +2958,7 @@
           <p:cNvPr id="6" name="灯片编号占位符 5">
             <a:extLst>
               <a:ext uri="{FF2B5EF4-FFF2-40B4-BE49-F238E27FC236}">
-                <a16:creationId xmlns:a16="http://schemas.microsoft.com/office/drawing/2014/main" id="{BDF18822-88CE-1C4C-BFDB-FE9F03E902F8}"/>
+                <a16:creationId xmlns:a16="http://schemas.microsoft.com/office/drawing/2014/main" id="{5FDBEB78-4B79-6059-B008-72AD8C14366C}"/>
               </a:ext>
             </a:extLst>
           </p:cNvPr>
@@ -2992,7 +2992,7 @@
             </a:lvl1pPr>
           </a:lstStyle>
           <a:p>
-            <a:fld id="{18FCEA00-21E5-4394-9CCE-0D8381F104EE}" type="slidenum">
+            <a:fld id="{A3F664C1-118C-490B-A45C-C08CC74176A0}" type="slidenum">
               <a:rPr lang="zh-CN" altLang="en-US" smtClean="0"/>
               <a:t>‹#›</a:t>
             </a:fld>
@@ -3003,7 +3003,7 @@
     </p:spTree>
     <p:extLst>
       <p:ext uri="{BB962C8B-B14F-4D97-AF65-F5344CB8AC3E}">
-        <p14:creationId xmlns:p14="http://schemas.microsoft.com/office/powerpoint/2010/main" val="670714386"/>
+        <p14:creationId xmlns:p14="http://schemas.microsoft.com/office/powerpoint/2010/main" val="3208320213"/>
       </p:ext>
     </p:extLst>
   </p:cSld>
@@ -3323,7 +3323,7 @@
       </p:grpSpPr>
       <p:pic>
         <p:nvPicPr>
-          <p:cNvPr id="1161218" name="Picture 2" descr="1133"/>
+          <p:cNvPr id="1162242" name="Picture 2" descr="1134"/>
           <p:cNvPicPr>
             <a:picLocks noChangeAspect="1" noChangeArrowheads="1"/>
           </p:cNvPicPr>
@@ -3345,7 +3345,7 @@
         <p:spPr bwMode="auto">
           <a:xfrm>
             <a:off x="1524000" y="0"/>
-            <a:ext cx="9144000" cy="5805488"/>
+            <a:ext cx="9144000" cy="6858000"/>
           </a:xfrm>
           <a:prstGeom prst="rect">
             <a:avLst/>
